--- a/slides.pptx
+++ b/slides.pptx
@@ -5,7 +5,9 @@
     <p:sldMasterId id="2147483648" r:id="rId1"/>
   </p:sldMasterIdLst>
   <p:sldIdLst>
-    <p:sldId id="256" r:id="rId2"/>
+    <p:sldId id="257" r:id="rId2"/>
+    <p:sldId id="258" r:id="rId3"/>
+    <p:sldId id="259" r:id="rId4"/>
   </p:sldIdLst>
   <p:sldSz cx="12192000" cy="6858000"/>
   <p:notesSz cx="6858000" cy="9144000"/>
@@ -105,6 +107,96 @@
     </a:lvl9pPr>
   </p:defaultTextStyle>
 </p:presentation>
+</file>
+
+<file path=ppt/changesInfos/changesInfo1.xml><?xml version="1.0" encoding="utf-8"?>
+<pc:chgInfo xmlns:a="http://schemas.openxmlformats.org/drawingml/2006/main" xmlns:r="http://schemas.openxmlformats.org/officeDocument/2006/relationships" xmlns:ac="http://schemas.microsoft.com/office/drawing/2013/main/command" xmlns:pc="http://schemas.microsoft.com/office/powerpoint/2013/main/command">
+  <pc:docChgLst>
+    <pc:chgData name="Przemysław Szewczak" userId="effdebc17726558e" providerId="LiveId" clId="{CB1EB202-2958-4C63-8C64-968344BF2C6C}"/>
+    <pc:docChg chg="custSel addSld delSld modSld">
+      <pc:chgData name="Przemysław Szewczak" userId="effdebc17726558e" providerId="LiveId" clId="{CB1EB202-2958-4C63-8C64-968344BF2C6C}" dt="2024-06-24T20:30:49.470" v="1309" actId="20577"/>
+      <pc:docMkLst>
+        <pc:docMk/>
+      </pc:docMkLst>
+      <pc:sldChg chg="del">
+        <pc:chgData name="Przemysław Szewczak" userId="effdebc17726558e" providerId="LiveId" clId="{CB1EB202-2958-4C63-8C64-968344BF2C6C}" dt="2024-06-24T20:07:18.343" v="1" actId="47"/>
+        <pc:sldMkLst>
+          <pc:docMk/>
+          <pc:sldMk cId="2466434477" sldId="256"/>
+        </pc:sldMkLst>
+      </pc:sldChg>
+      <pc:sldChg chg="modSp new mod">
+        <pc:chgData name="Przemysław Szewczak" userId="effdebc17726558e" providerId="LiveId" clId="{CB1EB202-2958-4C63-8C64-968344BF2C6C}" dt="2024-06-24T20:18:19.987" v="599" actId="20577"/>
+        <pc:sldMkLst>
+          <pc:docMk/>
+          <pc:sldMk cId="3037128269" sldId="257"/>
+        </pc:sldMkLst>
+        <pc:spChg chg="mod">
+          <ac:chgData name="Przemysław Szewczak" userId="effdebc17726558e" providerId="LiveId" clId="{CB1EB202-2958-4C63-8C64-968344BF2C6C}" dt="2024-06-24T20:14:28.071" v="391" actId="20577"/>
+          <ac:spMkLst>
+            <pc:docMk/>
+            <pc:sldMk cId="3037128269" sldId="257"/>
+            <ac:spMk id="2" creationId="{44CD749C-D32C-3804-3B1B-E7BEBBDEE45F}"/>
+          </ac:spMkLst>
+        </pc:spChg>
+        <pc:spChg chg="mod">
+          <ac:chgData name="Przemysław Szewczak" userId="effdebc17726558e" providerId="LiveId" clId="{CB1EB202-2958-4C63-8C64-968344BF2C6C}" dt="2024-06-24T20:18:19.987" v="599" actId="20577"/>
+          <ac:spMkLst>
+            <pc:docMk/>
+            <pc:sldMk cId="3037128269" sldId="257"/>
+            <ac:spMk id="3" creationId="{82090DFF-D7DF-2BC8-D835-358158966659}"/>
+          </ac:spMkLst>
+        </pc:spChg>
+      </pc:sldChg>
+      <pc:sldChg chg="modSp new mod">
+        <pc:chgData name="Przemysław Szewczak" userId="effdebc17726558e" providerId="LiveId" clId="{CB1EB202-2958-4C63-8C64-968344BF2C6C}" dt="2024-06-24T20:26:18.186" v="1077" actId="20577"/>
+        <pc:sldMkLst>
+          <pc:docMk/>
+          <pc:sldMk cId="876442700" sldId="258"/>
+        </pc:sldMkLst>
+        <pc:spChg chg="mod">
+          <ac:chgData name="Przemysław Szewczak" userId="effdebc17726558e" providerId="LiveId" clId="{CB1EB202-2958-4C63-8C64-968344BF2C6C}" dt="2024-06-24T20:15:03.169" v="419" actId="20577"/>
+          <ac:spMkLst>
+            <pc:docMk/>
+            <pc:sldMk cId="876442700" sldId="258"/>
+            <ac:spMk id="2" creationId="{93345622-8E9F-5DAB-ADEE-98DA06087C4B}"/>
+          </ac:spMkLst>
+        </pc:spChg>
+        <pc:spChg chg="mod">
+          <ac:chgData name="Przemysław Szewczak" userId="effdebc17726558e" providerId="LiveId" clId="{CB1EB202-2958-4C63-8C64-968344BF2C6C}" dt="2024-06-24T20:26:18.186" v="1077" actId="20577"/>
+          <ac:spMkLst>
+            <pc:docMk/>
+            <pc:sldMk cId="876442700" sldId="258"/>
+            <ac:spMk id="3" creationId="{D15636B6-59F7-5529-B276-7F33A1266477}"/>
+          </ac:spMkLst>
+        </pc:spChg>
+      </pc:sldChg>
+      <pc:sldChg chg="modSp new mod">
+        <pc:chgData name="Przemysław Szewczak" userId="effdebc17726558e" providerId="LiveId" clId="{CB1EB202-2958-4C63-8C64-968344BF2C6C}" dt="2024-06-24T20:30:49.470" v="1309" actId="20577"/>
+        <pc:sldMkLst>
+          <pc:docMk/>
+          <pc:sldMk cId="1464052603" sldId="259"/>
+        </pc:sldMkLst>
+        <pc:spChg chg="mod">
+          <ac:chgData name="Przemysław Szewczak" userId="effdebc17726558e" providerId="LiveId" clId="{CB1EB202-2958-4C63-8C64-968344BF2C6C}" dt="2024-06-24T20:24:33.689" v="945" actId="20577"/>
+          <ac:spMkLst>
+            <pc:docMk/>
+            <pc:sldMk cId="1464052603" sldId="259"/>
+            <ac:spMk id="2" creationId="{C75C18E5-4BFA-E76E-A0EF-D73D8DFC4FD0}"/>
+          </ac:spMkLst>
+        </pc:spChg>
+        <pc:spChg chg="mod">
+          <ac:chgData name="Przemysław Szewczak" userId="effdebc17726558e" providerId="LiveId" clId="{CB1EB202-2958-4C63-8C64-968344BF2C6C}" dt="2024-06-24T20:30:49.470" v="1309" actId="20577"/>
+          <ac:spMkLst>
+            <pc:docMk/>
+            <pc:sldMk cId="1464052603" sldId="259"/>
+            <ac:spMk id="3" creationId="{16760529-7D3D-B461-13A9-21F1FC8B0BC2}"/>
+          </ac:spMkLst>
+        </pc:spChg>
+      </pc:sldChg>
+    </pc:docChg>
+  </pc:docChgLst>
+</pc:chgInfo>
 </file>
 
 <file path=ppt/slideLayouts/slideLayout1.xml><?xml version="1.0" encoding="utf-8"?>
@@ -3347,55 +3439,385 @@
           <p:cNvPr id="2" name="Tytuł 1">
             <a:extLst>
               <a:ext uri="{FF2B5EF4-FFF2-40B4-BE49-F238E27FC236}">
-                <a16:creationId xmlns:a16="http://schemas.microsoft.com/office/drawing/2014/main" id="{43644DB3-7E77-29A0-4E66-6C8543604FFE}"/>
-              </a:ext>
-            </a:extLst>
-          </p:cNvPr>
-          <p:cNvSpPr>
-            <a:spLocks noGrp="1"/>
-          </p:cNvSpPr>
-          <p:nvPr>
-            <p:ph type="ctrTitle"/>
-          </p:nvPr>
-        </p:nvSpPr>
-        <p:spPr/>
-        <p:txBody>
-          <a:bodyPr/>
-          <a:lstStyle/>
-          <a:p>
-            <a:endParaRPr lang="en-GB"/>
-          </a:p>
-        </p:txBody>
-      </p:sp>
-      <p:sp>
-        <p:nvSpPr>
-          <p:cNvPr id="3" name="Podtytuł 2">
-            <a:extLst>
-              <a:ext uri="{FF2B5EF4-FFF2-40B4-BE49-F238E27FC236}">
-                <a16:creationId xmlns:a16="http://schemas.microsoft.com/office/drawing/2014/main" id="{1B79ACA3-E03F-BC04-4AC9-E83EEDB3DCC2}"/>
-              </a:ext>
-            </a:extLst>
-          </p:cNvPr>
-          <p:cNvSpPr>
-            <a:spLocks noGrp="1"/>
-          </p:cNvSpPr>
-          <p:nvPr>
-            <p:ph type="subTitle" idx="1"/>
-          </p:nvPr>
-        </p:nvSpPr>
-        <p:spPr/>
-        <p:txBody>
-          <a:bodyPr/>
-          <a:lstStyle/>
-          <a:p>
-            <a:endParaRPr lang="en-GB"/>
+                <a16:creationId xmlns:a16="http://schemas.microsoft.com/office/drawing/2014/main" id="{44CD749C-D32C-3804-3B1B-E7BEBBDEE45F}"/>
+              </a:ext>
+            </a:extLst>
+          </p:cNvPr>
+          <p:cNvSpPr>
+            <a:spLocks noGrp="1"/>
+          </p:cNvSpPr>
+          <p:nvPr>
+            <p:ph type="title"/>
+          </p:nvPr>
+        </p:nvSpPr>
+        <p:spPr/>
+        <p:txBody>
+          <a:bodyPr/>
+          <a:lstStyle/>
+          <a:p>
+            <a:r>
+              <a:rPr lang="pl-PL" dirty="0"/>
+              <a:t>Analiza sentymentu recenzji - dane</a:t>
+            </a:r>
+            <a:endParaRPr lang="en-GB" dirty="0"/>
+          </a:p>
+        </p:txBody>
+      </p:sp>
+      <p:sp>
+        <p:nvSpPr>
+          <p:cNvPr id="3" name="Symbol zastępczy zawartości 2">
+            <a:extLst>
+              <a:ext uri="{FF2B5EF4-FFF2-40B4-BE49-F238E27FC236}">
+                <a16:creationId xmlns:a16="http://schemas.microsoft.com/office/drawing/2014/main" id="{82090DFF-D7DF-2BC8-D835-358158966659}"/>
+              </a:ext>
+            </a:extLst>
+          </p:cNvPr>
+          <p:cNvSpPr>
+            <a:spLocks noGrp="1"/>
+          </p:cNvSpPr>
+          <p:nvPr>
+            <p:ph idx="1"/>
+          </p:nvPr>
+        </p:nvSpPr>
+        <p:spPr/>
+        <p:txBody>
+          <a:bodyPr/>
+          <a:lstStyle/>
+          <a:p>
+            <a:r>
+              <a:rPr lang="pl-PL" dirty="0"/>
+              <a:t>Model klasyfikuje recenzje jako mające sentyment pozytywny lub negatywny</a:t>
+            </a:r>
+          </a:p>
+          <a:p>
+            <a:r>
+              <a:rPr lang="pl-PL" dirty="0"/>
+              <a:t>Do treningu i testowania wykorzystane zostały dane z platformy Amazon</a:t>
+            </a:r>
+          </a:p>
+          <a:p>
+            <a:r>
+              <a:rPr lang="pl-PL" dirty="0"/>
+              <a:t>W danych tych recenzje 4- i 5-gwiazdkowe uznawano za pozytywne, zaś 1- i 2-gwiazdkowe za negatywne, 3-gwiazdkowe zostały pominięte</a:t>
+            </a:r>
+          </a:p>
+          <a:p>
+            <a:r>
+              <a:rPr lang="pl-PL" dirty="0"/>
+              <a:t>Zestaw treningowy zawierał 1 000 000 recenzji a treningowy 400 000</a:t>
+            </a:r>
+          </a:p>
+          <a:p>
+            <a:r>
+              <a:rPr lang="pl-PL" dirty="0"/>
+              <a:t>Recenzje były zamieniane na ciągi liczb przy pomocy </a:t>
+            </a:r>
+            <a:r>
+              <a:rPr lang="pl-PL" dirty="0" err="1"/>
+              <a:t>Tokenizera</a:t>
+            </a:r>
+            <a:r>
+              <a:rPr lang="pl-PL" dirty="0"/>
+              <a:t> z biblioteki </a:t>
+            </a:r>
+            <a:r>
+              <a:rPr lang="pl-PL" dirty="0" err="1"/>
+              <a:t>keras</a:t>
+            </a:r>
+            <a:r>
+              <a:rPr lang="pl-PL" dirty="0"/>
+              <a:t> i wyrównywane do długości 100</a:t>
+            </a:r>
+          </a:p>
+          <a:p>
+            <a:endParaRPr lang="en-GB" dirty="0"/>
           </a:p>
         </p:txBody>
       </p:sp>
     </p:spTree>
     <p:extLst>
       <p:ext uri="{BB962C8B-B14F-4D97-AF65-F5344CB8AC3E}">
-        <p14:creationId xmlns:p14="http://schemas.microsoft.com/office/powerpoint/2010/main" val="2466434477"/>
+        <p14:creationId xmlns:p14="http://schemas.microsoft.com/office/powerpoint/2010/main" val="3037128269"/>
+      </p:ext>
+    </p:extLst>
+  </p:cSld>
+  <p:clrMapOvr>
+    <a:masterClrMapping/>
+  </p:clrMapOvr>
+</p:sld>
+</file>
+
+<file path=ppt/slides/slide2.xml><?xml version="1.0" encoding="utf-8"?>
+<p:sld xmlns:a="http://schemas.openxmlformats.org/drawingml/2006/main" xmlns:r="http://schemas.openxmlformats.org/officeDocument/2006/relationships" xmlns:p="http://schemas.openxmlformats.org/presentationml/2006/main">
+  <p:cSld>
+    <p:spTree>
+      <p:nvGrpSpPr>
+        <p:cNvPr id="1" name=""/>
+        <p:cNvGrpSpPr/>
+        <p:nvPr/>
+      </p:nvGrpSpPr>
+      <p:grpSpPr>
+        <a:xfrm>
+          <a:off x="0" y="0"/>
+          <a:ext cx="0" cy="0"/>
+          <a:chOff x="0" y="0"/>
+          <a:chExt cx="0" cy="0"/>
+        </a:xfrm>
+      </p:grpSpPr>
+      <p:sp>
+        <p:nvSpPr>
+          <p:cNvPr id="2" name="Tytuł 1">
+            <a:extLst>
+              <a:ext uri="{FF2B5EF4-FFF2-40B4-BE49-F238E27FC236}">
+                <a16:creationId xmlns:a16="http://schemas.microsoft.com/office/drawing/2014/main" id="{93345622-8E9F-5DAB-ADEE-98DA06087C4B}"/>
+              </a:ext>
+            </a:extLst>
+          </p:cNvPr>
+          <p:cNvSpPr>
+            <a:spLocks noGrp="1"/>
+          </p:cNvSpPr>
+          <p:nvPr>
+            <p:ph type="title"/>
+          </p:nvPr>
+        </p:nvSpPr>
+        <p:spPr/>
+        <p:txBody>
+          <a:bodyPr/>
+          <a:lstStyle/>
+          <a:p>
+            <a:r>
+              <a:rPr lang="pl-PL" dirty="0"/>
+              <a:t>Model</a:t>
+            </a:r>
+            <a:endParaRPr lang="en-GB" dirty="0"/>
+          </a:p>
+        </p:txBody>
+      </p:sp>
+      <p:sp>
+        <p:nvSpPr>
+          <p:cNvPr id="3" name="Symbol zastępczy zawartości 2">
+            <a:extLst>
+              <a:ext uri="{FF2B5EF4-FFF2-40B4-BE49-F238E27FC236}">
+                <a16:creationId xmlns:a16="http://schemas.microsoft.com/office/drawing/2014/main" id="{D15636B6-59F7-5529-B276-7F33A1266477}"/>
+              </a:ext>
+            </a:extLst>
+          </p:cNvPr>
+          <p:cNvSpPr>
+            <a:spLocks noGrp="1"/>
+          </p:cNvSpPr>
+          <p:nvPr>
+            <p:ph idx="1"/>
+          </p:nvPr>
+        </p:nvSpPr>
+        <p:spPr/>
+        <p:txBody>
+          <a:bodyPr/>
+          <a:lstStyle/>
+          <a:p>
+            <a:r>
+              <a:rPr lang="pl-PL" dirty="0"/>
+              <a:t>Modelem jest jednokierunkowa sieć neuronowa</a:t>
+            </a:r>
+          </a:p>
+          <a:p>
+            <a:r>
+              <a:rPr lang="pl-PL" dirty="0"/>
+              <a:t>Pierwszą warstwą jest warstwa </a:t>
+            </a:r>
+            <a:r>
+              <a:rPr lang="pl-PL" dirty="0" err="1"/>
+              <a:t>Embedding</a:t>
+            </a:r>
+            <a:r>
+              <a:rPr lang="pl-PL" dirty="0"/>
+              <a:t> pozwalająca na powiązanie ze sobą słów o podobnych znaczeniach</a:t>
+            </a:r>
+          </a:p>
+          <a:p>
+            <a:r>
+              <a:rPr lang="pl-PL" dirty="0"/>
+              <a:t>Następnie wyjście z tej warstwy jest </a:t>
+            </a:r>
+            <a:r>
+              <a:rPr lang="pl-PL" dirty="0" err="1"/>
+              <a:t>przakazywane</a:t>
+            </a:r>
+            <a:r>
+              <a:rPr lang="pl-PL" dirty="0"/>
+              <a:t> za pomocą </a:t>
+            </a:r>
+            <a:r>
+              <a:rPr lang="pl-PL" dirty="0" err="1"/>
+              <a:t>GlobalAveragePooling</a:t>
+            </a:r>
+            <a:r>
+              <a:rPr lang="pl-PL" dirty="0"/>
+              <a:t> do warstw </a:t>
+            </a:r>
+            <a:r>
+              <a:rPr lang="pl-PL" dirty="0" err="1"/>
+              <a:t>Dense</a:t>
+            </a:r>
+            <a:r>
+              <a:rPr lang="pl-PL" dirty="0"/>
+              <a:t>.</a:t>
+            </a:r>
+          </a:p>
+          <a:p>
+            <a:r>
+              <a:rPr lang="pl-PL" dirty="0"/>
+              <a:t>Są dwie ukryte warstwy </a:t>
+            </a:r>
+            <a:r>
+              <a:rPr lang="pl-PL" dirty="0" err="1"/>
+              <a:t>Dense</a:t>
+            </a:r>
+            <a:r>
+              <a:rPr lang="pl-PL" dirty="0"/>
+              <a:t> po 512 neuronów każda</a:t>
+            </a:r>
+          </a:p>
+          <a:p>
+            <a:r>
+              <a:rPr lang="pl-PL" dirty="0"/>
+              <a:t>Wykorzystana funkcja aktywacji to </a:t>
+            </a:r>
+            <a:r>
+              <a:rPr lang="pl-PL" dirty="0" err="1"/>
+              <a:t>ReLU</a:t>
+            </a:r>
+            <a:r>
+              <a:rPr lang="pl-PL" dirty="0"/>
+              <a:t> a optymalizator Adam, trenowanie modelu trwało dwie epoki, rozmiar próbki to 32</a:t>
+            </a:r>
+          </a:p>
+        </p:txBody>
+      </p:sp>
+    </p:spTree>
+    <p:extLst>
+      <p:ext uri="{BB962C8B-B14F-4D97-AF65-F5344CB8AC3E}">
+        <p14:creationId xmlns:p14="http://schemas.microsoft.com/office/powerpoint/2010/main" val="876442700"/>
+      </p:ext>
+    </p:extLst>
+  </p:cSld>
+  <p:clrMapOvr>
+    <a:masterClrMapping/>
+  </p:clrMapOvr>
+</p:sld>
+</file>
+
+<file path=ppt/slides/slide3.xml><?xml version="1.0" encoding="utf-8"?>
+<p:sld xmlns:a="http://schemas.openxmlformats.org/drawingml/2006/main" xmlns:r="http://schemas.openxmlformats.org/officeDocument/2006/relationships" xmlns:p="http://schemas.openxmlformats.org/presentationml/2006/main">
+  <p:cSld>
+    <p:spTree>
+      <p:nvGrpSpPr>
+        <p:cNvPr id="1" name=""/>
+        <p:cNvGrpSpPr/>
+        <p:nvPr/>
+      </p:nvGrpSpPr>
+      <p:grpSpPr>
+        <a:xfrm>
+          <a:off x="0" y="0"/>
+          <a:ext cx="0" cy="0"/>
+          <a:chOff x="0" y="0"/>
+          <a:chExt cx="0" cy="0"/>
+        </a:xfrm>
+      </p:grpSpPr>
+      <p:sp>
+        <p:nvSpPr>
+          <p:cNvPr id="2" name="Tytuł 1">
+            <a:extLst>
+              <a:ext uri="{FF2B5EF4-FFF2-40B4-BE49-F238E27FC236}">
+                <a16:creationId xmlns:a16="http://schemas.microsoft.com/office/drawing/2014/main" id="{C75C18E5-4BFA-E76E-A0EF-D73D8DFC4FD0}"/>
+              </a:ext>
+            </a:extLst>
+          </p:cNvPr>
+          <p:cNvSpPr>
+            <a:spLocks noGrp="1"/>
+          </p:cNvSpPr>
+          <p:nvPr>
+            <p:ph type="title"/>
+          </p:nvPr>
+        </p:nvSpPr>
+        <p:spPr/>
+        <p:txBody>
+          <a:bodyPr/>
+          <a:lstStyle/>
+          <a:p>
+            <a:r>
+              <a:rPr lang="pl-PL" dirty="0"/>
+              <a:t>Rezultaty</a:t>
+            </a:r>
+            <a:endParaRPr lang="en-GB" dirty="0"/>
+          </a:p>
+        </p:txBody>
+      </p:sp>
+      <p:sp>
+        <p:nvSpPr>
+          <p:cNvPr id="3" name="Symbol zastępczy zawartości 2">
+            <a:extLst>
+              <a:ext uri="{FF2B5EF4-FFF2-40B4-BE49-F238E27FC236}">
+                <a16:creationId xmlns:a16="http://schemas.microsoft.com/office/drawing/2014/main" id="{16760529-7D3D-B461-13A9-21F1FC8B0BC2}"/>
+              </a:ext>
+            </a:extLst>
+          </p:cNvPr>
+          <p:cNvSpPr>
+            <a:spLocks noGrp="1"/>
+          </p:cNvSpPr>
+          <p:nvPr>
+            <p:ph idx="1"/>
+          </p:nvPr>
+        </p:nvSpPr>
+        <p:spPr/>
+        <p:txBody>
+          <a:bodyPr/>
+          <a:lstStyle/>
+          <a:p>
+            <a:r>
+              <a:rPr lang="pl-PL" dirty="0"/>
+              <a:t>Po wytrenowaniu modelu na danych testowych uzyskał on dokładność prawie 91%</a:t>
+            </a:r>
+          </a:p>
+          <a:p>
+            <a:r>
+              <a:rPr lang="pl-PL" dirty="0"/>
+              <a:t>Trenowanie przez drugą epokę dało poprawę poniżej 1 </a:t>
+            </a:r>
+            <a:r>
+              <a:rPr lang="pl-PL" dirty="0" err="1"/>
+              <a:t>p.p</a:t>
+            </a:r>
+            <a:r>
+              <a:rPr lang="pl-PL" dirty="0"/>
+              <a:t>.</a:t>
+            </a:r>
+          </a:p>
+          <a:p>
+            <a:r>
+              <a:rPr lang="pl-PL" dirty="0"/>
+              <a:t>Już po treningu na 10 000 danych dokładność </a:t>
+            </a:r>
+            <a:r>
+              <a:rPr lang="pl-PL"/>
+              <a:t>wynosiła ponad 85% </a:t>
+            </a:r>
+            <a:endParaRPr lang="pl-PL" dirty="0"/>
+          </a:p>
+          <a:p>
+            <a:r>
+              <a:rPr lang="pl-PL" dirty="0"/>
+              <a:t>Dla poprawy rezultatów można sprawdzić działanie warstw do przetwarzania tekstu</a:t>
+            </a:r>
+          </a:p>
+          <a:p>
+            <a:endParaRPr lang="en-GB" dirty="0"/>
+          </a:p>
+        </p:txBody>
+      </p:sp>
+    </p:spTree>
+    <p:extLst>
+      <p:ext uri="{BB962C8B-B14F-4D97-AF65-F5344CB8AC3E}">
+        <p14:creationId xmlns:p14="http://schemas.microsoft.com/office/powerpoint/2010/main" val="1464052603"/>
       </p:ext>
     </p:extLst>
   </p:cSld>
